--- a/icon/Reaction.pptx
+++ b/icon/Reaction.pptx
@@ -3397,220 +3397,193 @@
           </a:p>
         </p:txBody>
       </p:sp>
-      <p:grpSp>
-        <p:nvGrpSpPr>
-          <p:cNvPr id="9" name="组合 8"/>
-          <p:cNvGrpSpPr/>
+      <p:sp>
+        <p:nvSpPr>
+          <p:cNvPr id="3" name="圆角矩形 2"/>
+          <p:cNvSpPr/>
           <p:nvPr/>
-        </p:nvGrpSpPr>
-        <p:grpSpPr>
+        </p:nvSpPr>
+        <p:spPr>
           <a:xfrm>
-            <a:off x="4296410" y="1628775"/>
-            <a:ext cx="3599180" cy="3599180"/>
-            <a:chOff x="6766" y="2565"/>
-            <a:chExt cx="5668" cy="5668"/>
+            <a:off x="4296410" y="1626235"/>
+            <a:ext cx="3599815" cy="3599815"/>
           </a:xfrm>
-        </p:grpSpPr>
-        <p:sp>
-          <p:nvSpPr>
-            <p:cNvPr id="3" name="圆角矩形 2"/>
-            <p:cNvSpPr/>
-            <p:nvPr/>
-          </p:nvSpPr>
-          <p:spPr>
-            <a:xfrm>
-              <a:off x="6766" y="2565"/>
-              <a:ext cx="5669" cy="5669"/>
-            </a:xfrm>
-            <a:prstGeom prst="roundRect">
-              <a:avLst/>
-            </a:prstGeom>
-            <a:solidFill>
-              <a:schemeClr val="bg2"/>
-            </a:solidFill>
-            <a:ln>
-              <a:noFill/>
-            </a:ln>
-          </p:spPr>
-          <p:style>
-            <a:lnRef idx="2">
-              <a:schemeClr val="accent1">
-                <a:shade val="50000"/>
-              </a:schemeClr>
-            </a:lnRef>
-            <a:fillRef idx="1">
-              <a:schemeClr val="accent1"/>
-            </a:fillRef>
-            <a:effectRef idx="0">
-              <a:schemeClr val="accent1"/>
-            </a:effectRef>
-            <a:fontRef idx="minor">
-              <a:schemeClr val="lt1"/>
-            </a:fontRef>
-          </p:style>
-          <p:txBody>
-            <a:bodyPr rtlCol="0" anchor="ctr"/>
-            <a:p>
-              <a:pPr algn="ctr"/>
-              <a:endParaRPr lang="zh-CN" altLang="en-US"/>
-            </a:p>
-          </p:txBody>
-        </p:sp>
-        <p:sp>
-          <p:nvSpPr>
-            <p:cNvPr id="5" name="椭圆 4"/>
-            <p:cNvSpPr/>
-            <p:nvPr/>
-          </p:nvSpPr>
-          <p:spPr>
-            <a:xfrm>
-              <a:off x="9037" y="3986"/>
-              <a:ext cx="2835" cy="2835"/>
-            </a:xfrm>
-            <a:prstGeom prst="ellipse">
-              <a:avLst/>
-            </a:prstGeom>
-            <a:gradFill>
-              <a:gsLst>
-                <a:gs pos="0">
-                  <a:srgbClr val="FDBCCA">
-                    <a:alpha val="70000"/>
-                  </a:srgbClr>
-                </a:gs>
-                <a:gs pos="17000">
-                  <a:srgbClr val="FB97AA">
-                    <a:alpha val="70000"/>
-                  </a:srgbClr>
-                </a:gs>
-                <a:gs pos="53000">
-                  <a:srgbClr val="FA778F">
-                    <a:alpha val="100000"/>
-                  </a:srgbClr>
-                </a:gs>
-                <a:gs pos="100000">
-                  <a:srgbClr val="F74160"/>
-                </a:gs>
-              </a:gsLst>
-              <a:lin ang="0" scaled="0"/>
-            </a:gradFill>
-            <a:ln>
-              <a:noFill/>
-            </a:ln>
-            <a:effectLst>
-              <a:outerShdw blurRad="50800" dist="38100" dir="5400000" algn="t" rotWithShape="0">
-                <a:prstClr val="black">
-                  <a:alpha val="40000"/>
-                </a:prstClr>
-              </a:outerShdw>
-            </a:effectLst>
-          </p:spPr>
-          <p:style>
-            <a:lnRef idx="2">
-              <a:schemeClr val="accent1">
-                <a:shade val="50000"/>
-              </a:schemeClr>
-            </a:lnRef>
-            <a:fillRef idx="1">
-              <a:schemeClr val="accent1"/>
-            </a:fillRef>
-            <a:effectRef idx="0">
-              <a:schemeClr val="accent1"/>
-            </a:effectRef>
-            <a:fontRef idx="minor">
-              <a:schemeClr val="lt1"/>
-            </a:fontRef>
-          </p:style>
-          <p:txBody>
-            <a:bodyPr rtlCol="0" anchor="ctr"/>
-            <a:p>
-              <a:pPr algn="ctr"/>
-              <a:r>
-                <a:rPr lang="en-US" altLang="zh-CN"/>
-                <a:t> </a:t>
-              </a:r>
-              <a:endParaRPr lang="en-US" altLang="zh-CN"/>
-            </a:p>
-          </p:txBody>
-        </p:sp>
-        <p:sp>
-          <p:nvSpPr>
-            <p:cNvPr id="7" name="椭圆 6"/>
-            <p:cNvSpPr/>
-            <p:nvPr/>
-          </p:nvSpPr>
-          <p:spPr>
-            <a:xfrm>
-              <a:off x="7336" y="3982"/>
-              <a:ext cx="2835" cy="2835"/>
-            </a:xfrm>
-            <a:prstGeom prst="ellipse">
-              <a:avLst/>
-            </a:prstGeom>
-            <a:gradFill>
-              <a:gsLst>
-                <a:gs pos="100000">
-                  <a:srgbClr val="BCD8F7">
-                    <a:alpha val="70000"/>
-                  </a:srgbClr>
-                </a:gs>
-                <a:gs pos="68000">
-                  <a:srgbClr val="AABFFB">
-                    <a:alpha val="70000"/>
-                  </a:srgbClr>
-                </a:gs>
-                <a:gs pos="30000">
-                  <a:srgbClr val="799AF8">
-                    <a:alpha val="100000"/>
-                  </a:srgbClr>
-                </a:gs>
-                <a:gs pos="0">
-                  <a:srgbClr val="4E77F5">
-                    <a:alpha val="100000"/>
-                  </a:srgbClr>
-                </a:gs>
-              </a:gsLst>
-              <a:lin ang="0" scaled="0"/>
-            </a:gradFill>
-            <a:ln>
-              <a:noFill/>
-            </a:ln>
-            <a:effectLst>
-              <a:outerShdw blurRad="50800" dist="38100" dir="5400000" algn="t" rotWithShape="0">
-                <a:prstClr val="black">
-                  <a:alpha val="40000"/>
-                </a:prstClr>
-              </a:outerShdw>
-            </a:effectLst>
-          </p:spPr>
-          <p:style>
-            <a:lnRef idx="2">
-              <a:schemeClr val="accent1">
-                <a:shade val="50000"/>
-              </a:schemeClr>
-            </a:lnRef>
-            <a:fillRef idx="1">
-              <a:schemeClr val="accent1"/>
-            </a:fillRef>
-            <a:effectRef idx="0">
-              <a:schemeClr val="accent1"/>
-            </a:effectRef>
-            <a:fontRef idx="minor">
-              <a:schemeClr val="lt1"/>
-            </a:fontRef>
-          </p:style>
-          <p:txBody>
-            <a:bodyPr rtlCol="0" anchor="ctr"/>
-            <a:p>
-              <a:pPr algn="ctr"/>
-              <a:r>
-                <a:rPr lang="en-US" altLang="zh-CN"/>
-                <a:t> </a:t>
-              </a:r>
-              <a:endParaRPr lang="en-US" altLang="zh-CN"/>
-            </a:p>
-          </p:txBody>
-        </p:sp>
-      </p:grpSp>
+          <a:prstGeom prst="roundRect">
+            <a:avLst/>
+          </a:prstGeom>
+          <a:solidFill>
+            <a:schemeClr val="bg2"/>
+          </a:solidFill>
+          <a:ln>
+            <a:noFill/>
+          </a:ln>
+        </p:spPr>
+        <p:style>
+          <a:lnRef idx="2">
+            <a:schemeClr val="accent1">
+              <a:shade val="50000"/>
+            </a:schemeClr>
+          </a:lnRef>
+          <a:fillRef idx="1">
+            <a:schemeClr val="accent1"/>
+          </a:fillRef>
+          <a:effectRef idx="0">
+            <a:schemeClr val="accent1"/>
+          </a:effectRef>
+          <a:fontRef idx="minor">
+            <a:schemeClr val="lt1"/>
+          </a:fontRef>
+        </p:style>
+        <p:txBody>
+          <a:bodyPr rtlCol="0" anchor="ctr"/>
+          <a:p>
+            <a:pPr algn="ctr"/>
+            <a:endParaRPr lang="zh-CN" altLang="en-US"/>
+          </a:p>
+        </p:txBody>
+      </p:sp>
+      <p:sp>
+        <p:nvSpPr>
+          <p:cNvPr id="5" name="椭圆 4"/>
+          <p:cNvSpPr/>
+          <p:nvPr/>
+        </p:nvSpPr>
+        <p:spPr>
+          <a:xfrm>
+            <a:off x="5738495" y="2528570"/>
+            <a:ext cx="1800225" cy="1800225"/>
+          </a:xfrm>
+          <a:prstGeom prst="ellipse">
+            <a:avLst/>
+          </a:prstGeom>
+          <a:gradFill>
+            <a:gsLst>
+              <a:gs pos="0">
+                <a:srgbClr val="FDBCCA">
+                  <a:alpha val="70000"/>
+                </a:srgbClr>
+              </a:gs>
+              <a:gs pos="17000">
+                <a:srgbClr val="FB97AA">
+                  <a:alpha val="70000"/>
+                </a:srgbClr>
+              </a:gs>
+              <a:gs pos="53000">
+                <a:srgbClr val="FA778F">
+                  <a:alpha val="100000"/>
+                </a:srgbClr>
+              </a:gs>
+              <a:gs pos="100000">
+                <a:srgbClr val="F74160"/>
+              </a:gs>
+            </a:gsLst>
+            <a:lin ang="0" scaled="0"/>
+          </a:gradFill>
+          <a:ln>
+            <a:noFill/>
+          </a:ln>
+          <a:effectLst/>
+        </p:spPr>
+        <p:style>
+          <a:lnRef idx="2">
+            <a:schemeClr val="accent1">
+              <a:shade val="50000"/>
+            </a:schemeClr>
+          </a:lnRef>
+          <a:fillRef idx="1">
+            <a:schemeClr val="accent1"/>
+          </a:fillRef>
+          <a:effectRef idx="0">
+            <a:schemeClr val="accent1"/>
+          </a:effectRef>
+          <a:fontRef idx="minor">
+            <a:schemeClr val="lt1"/>
+          </a:fontRef>
+        </p:style>
+        <p:txBody>
+          <a:bodyPr rtlCol="0" anchor="ctr"/>
+          <a:p>
+            <a:pPr algn="ctr"/>
+            <a:r>
+              <a:rPr lang="en-US" altLang="zh-CN"/>
+              <a:t> </a:t>
+            </a:r>
+            <a:endParaRPr lang="en-US" altLang="zh-CN"/>
+          </a:p>
+        </p:txBody>
+      </p:sp>
+      <p:sp>
+        <p:nvSpPr>
+          <p:cNvPr id="7" name="椭圆 6"/>
+          <p:cNvSpPr/>
+          <p:nvPr/>
+        </p:nvSpPr>
+        <p:spPr>
+          <a:xfrm>
+            <a:off x="4658360" y="2526030"/>
+            <a:ext cx="1800225" cy="1800225"/>
+          </a:xfrm>
+          <a:prstGeom prst="ellipse">
+            <a:avLst/>
+          </a:prstGeom>
+          <a:gradFill>
+            <a:gsLst>
+              <a:gs pos="100000">
+                <a:srgbClr val="BCD8F7">
+                  <a:alpha val="70000"/>
+                </a:srgbClr>
+              </a:gs>
+              <a:gs pos="68000">
+                <a:srgbClr val="AABFFB">
+                  <a:alpha val="70000"/>
+                </a:srgbClr>
+              </a:gs>
+              <a:gs pos="30000">
+                <a:srgbClr val="799AF8">
+                  <a:alpha val="100000"/>
+                </a:srgbClr>
+              </a:gs>
+              <a:gs pos="0">
+                <a:srgbClr val="4E77F5">
+                  <a:alpha val="100000"/>
+                </a:srgbClr>
+              </a:gs>
+            </a:gsLst>
+            <a:lin ang="0" scaled="0"/>
+          </a:gradFill>
+          <a:ln>
+            <a:noFill/>
+          </a:ln>
+          <a:effectLst/>
+        </p:spPr>
+        <p:style>
+          <a:lnRef idx="2">
+            <a:schemeClr val="accent1">
+              <a:shade val="50000"/>
+            </a:schemeClr>
+          </a:lnRef>
+          <a:fillRef idx="1">
+            <a:schemeClr val="accent1"/>
+          </a:fillRef>
+          <a:effectRef idx="0">
+            <a:schemeClr val="accent1"/>
+          </a:effectRef>
+          <a:fontRef idx="minor">
+            <a:schemeClr val="lt1"/>
+          </a:fontRef>
+        </p:style>
+        <p:txBody>
+          <a:bodyPr rtlCol="0" anchor="ctr"/>
+          <a:p>
+            <a:pPr algn="ctr"/>
+            <a:r>
+              <a:rPr lang="en-US" altLang="zh-CN"/>
+              <a:t> </a:t>
+            </a:r>
+            <a:endParaRPr lang="en-US" altLang="zh-CN"/>
+          </a:p>
+        </p:txBody>
+      </p:sp>
     </p:spTree>
     <p:custDataLst>
       <p:tags r:id="rId1"/>
